--- a/Powerpoint/Module12-PsWorkflow.pptx
+++ b/Powerpoint/Module12-PsWorkflow.pptx
@@ -114,6 +114,22 @@
       </a:defRPr>
     </a:lvl9pPr>
   </p:defaultTextStyle>
+  <p:extLst>
+    <p:ext uri="{EFAFB233-063F-42B5-8137-9DF3F51BA10A}">
+      <p15:sldGuideLst xmlns:p15="http://schemas.microsoft.com/office/powerpoint/2012/main">
+        <p15:guide id="1" orient="horz" pos="2160">
+          <p15:clr>
+            <a:srgbClr val="A4A3A4"/>
+          </p15:clr>
+        </p15:guide>
+        <p15:guide id="2" pos="2880">
+          <p15:clr>
+            <a:srgbClr val="A4A3A4"/>
+          </p15:clr>
+        </p15:guide>
+      </p15:sldGuideLst>
+    </p:ext>
+  </p:extLst>
 </p:presentation>
 </file>
 
@@ -161,7 +177,7 @@
           </a:lstStyle>
           <a:p>
             <a:r>
-              <a:rPr lang="en-US" smtClean="0"/>
+              <a:rPr lang="en-US"/>
               <a:t>Click to edit Master title style</a:t>
             </a:r>
             <a:endParaRPr lang="en-US" dirty="0"/>
@@ -281,7 +297,7 @@
           </a:lstStyle>
           <a:p>
             <a:r>
-              <a:rPr lang="en-US" smtClean="0"/>
+              <a:rPr lang="en-US"/>
               <a:t>Click to edit Master subtitle style</a:t>
             </a:r>
             <a:endParaRPr lang="en-US" dirty="0"/>
@@ -394,10 +410,9 @@
           <a:lstStyle/>
           <a:p>
             <a:r>
-              <a:rPr lang="en-US" smtClean="0"/>
+              <a:rPr lang="en-US"/>
               <a:t>Click to edit Master title style</a:t>
             </a:r>
-            <a:endParaRPr lang="en-US"/>
           </a:p>
         </p:txBody>
       </p:sp>
@@ -418,38 +433,37 @@
           <a:p>
             <a:pPr lvl="0"/>
             <a:r>
-              <a:rPr lang="en-US" smtClean="0"/>
+              <a:rPr lang="en-US"/>
               <a:t>Click to edit Master text styles</a:t>
             </a:r>
           </a:p>
           <a:p>
             <a:pPr lvl="1"/>
             <a:r>
-              <a:rPr lang="en-US" smtClean="0"/>
+              <a:rPr lang="en-US"/>
               <a:t>Second level</a:t>
             </a:r>
           </a:p>
           <a:p>
             <a:pPr lvl="2"/>
             <a:r>
-              <a:rPr lang="en-US" smtClean="0"/>
+              <a:rPr lang="en-US"/>
               <a:t>Third level</a:t>
             </a:r>
           </a:p>
           <a:p>
             <a:pPr lvl="3"/>
             <a:r>
-              <a:rPr lang="en-US" smtClean="0"/>
+              <a:rPr lang="en-US"/>
               <a:t>Fourth level</a:t>
             </a:r>
           </a:p>
           <a:p>
             <a:pPr lvl="4"/>
             <a:r>
-              <a:rPr lang="en-US" smtClean="0"/>
+              <a:rPr lang="en-US"/>
               <a:t>Fifth level</a:t>
             </a:r>
-            <a:endParaRPr lang="en-US"/>
           </a:p>
         </p:txBody>
       </p:sp>
@@ -487,10 +501,9 @@
           </a:lstStyle>
           <a:p>
             <a:r>
-              <a:rPr lang="en-US" dirty="0" smtClean="0"/>
+              <a:rPr lang="en-US" dirty="0"/>
               <a:t>©Concentrated Technology</a:t>
             </a:r>
-            <a:endParaRPr lang="en-US" dirty="0"/>
           </a:p>
         </p:txBody>
       </p:sp>
@@ -551,7 +564,7 @@
           </a:lstStyle>
           <a:p>
             <a:r>
-              <a:rPr lang="en-US" smtClean="0"/>
+              <a:rPr lang="en-US"/>
               <a:t>Click to edit Master title style</a:t>
             </a:r>
             <a:endParaRPr lang="en-US" dirty="0"/>
@@ -671,7 +684,7 @@
           <a:p>
             <a:pPr lvl="0"/>
             <a:r>
-              <a:rPr lang="en-US" smtClean="0"/>
+              <a:rPr lang="en-US"/>
               <a:t>Click to edit Master text styles</a:t>
             </a:r>
           </a:p>
@@ -746,10 +759,9 @@
           </a:lstStyle>
           <a:p>
             <a:r>
-              <a:rPr lang="en-US" dirty="0" smtClean="0"/>
+              <a:rPr lang="en-US" dirty="0"/>
               <a:t>©Concentrated Technology</a:t>
             </a:r>
-            <a:endParaRPr lang="en-US" dirty="0"/>
           </a:p>
         </p:txBody>
       </p:sp>
@@ -794,10 +806,9 @@
           <a:lstStyle/>
           <a:p>
             <a:r>
-              <a:rPr lang="en-US" smtClean="0"/>
+              <a:rPr lang="en-US"/>
               <a:t>Click to edit Master title style</a:t>
             </a:r>
-            <a:endParaRPr lang="en-US"/>
           </a:p>
         </p:txBody>
       </p:sp>
@@ -851,35 +862,35 @@
           <a:p>
             <a:pPr lvl="0"/>
             <a:r>
-              <a:rPr lang="en-US" smtClean="0"/>
+              <a:rPr lang="en-US"/>
               <a:t>Click to edit Master text styles</a:t>
             </a:r>
           </a:p>
           <a:p>
             <a:pPr lvl="1"/>
             <a:r>
-              <a:rPr lang="en-US" smtClean="0"/>
+              <a:rPr lang="en-US"/>
               <a:t>Second level</a:t>
             </a:r>
           </a:p>
           <a:p>
             <a:pPr lvl="2"/>
             <a:r>
-              <a:rPr lang="en-US" smtClean="0"/>
+              <a:rPr lang="en-US"/>
               <a:t>Third level</a:t>
             </a:r>
           </a:p>
           <a:p>
             <a:pPr lvl="3"/>
             <a:r>
-              <a:rPr lang="en-US" smtClean="0"/>
+              <a:rPr lang="en-US"/>
               <a:t>Fourth level</a:t>
             </a:r>
           </a:p>
           <a:p>
             <a:pPr lvl="4"/>
             <a:r>
-              <a:rPr lang="en-US" smtClean="0"/>
+              <a:rPr lang="en-US"/>
               <a:t>Fifth level</a:t>
             </a:r>
             <a:endParaRPr lang="en-US" dirty="0"/>
@@ -936,35 +947,35 @@
           <a:p>
             <a:pPr lvl="0"/>
             <a:r>
-              <a:rPr lang="en-US" smtClean="0"/>
+              <a:rPr lang="en-US"/>
               <a:t>Click to edit Master text styles</a:t>
             </a:r>
           </a:p>
           <a:p>
             <a:pPr lvl="1"/>
             <a:r>
-              <a:rPr lang="en-US" smtClean="0"/>
+              <a:rPr lang="en-US"/>
               <a:t>Second level</a:t>
             </a:r>
           </a:p>
           <a:p>
             <a:pPr lvl="2"/>
             <a:r>
-              <a:rPr lang="en-US" smtClean="0"/>
+              <a:rPr lang="en-US"/>
               <a:t>Third level</a:t>
             </a:r>
           </a:p>
           <a:p>
             <a:pPr lvl="3"/>
             <a:r>
-              <a:rPr lang="en-US" smtClean="0"/>
+              <a:rPr lang="en-US"/>
               <a:t>Fourth level</a:t>
             </a:r>
           </a:p>
           <a:p>
             <a:pPr lvl="4"/>
             <a:r>
-              <a:rPr lang="en-US" smtClean="0"/>
+              <a:rPr lang="en-US"/>
               <a:t>Fifth level</a:t>
             </a:r>
             <a:endParaRPr lang="en-US" dirty="0"/>
@@ -1005,10 +1016,9 @@
           </a:lstStyle>
           <a:p>
             <a:r>
-              <a:rPr lang="en-US" dirty="0" smtClean="0"/>
+              <a:rPr lang="en-US" dirty="0"/>
               <a:t>©Concentrated Technology</a:t>
             </a:r>
-            <a:endParaRPr lang="en-US" dirty="0"/>
           </a:p>
         </p:txBody>
       </p:sp>
@@ -1057,7 +1067,7 @@
           </a:lstStyle>
           <a:p>
             <a:r>
-              <a:rPr lang="en-US" smtClean="0"/>
+              <a:rPr lang="en-US"/>
               <a:t>Click to edit Master title style</a:t>
             </a:r>
             <a:endParaRPr lang="en-US" dirty="0"/>
@@ -1146,7 +1156,7 @@
           <a:p>
             <a:pPr lvl="0"/>
             <a:r>
-              <a:rPr lang="en-US" smtClean="0"/>
+              <a:rPr lang="en-US"/>
               <a:t>Click to edit Master text styles</a:t>
             </a:r>
           </a:p>
@@ -1202,35 +1212,35 @@
           <a:p>
             <a:pPr lvl="0"/>
             <a:r>
-              <a:rPr lang="en-US" smtClean="0"/>
+              <a:rPr lang="en-US"/>
               <a:t>Click to edit Master text styles</a:t>
             </a:r>
           </a:p>
           <a:p>
             <a:pPr lvl="1"/>
             <a:r>
-              <a:rPr lang="en-US" smtClean="0"/>
+              <a:rPr lang="en-US"/>
               <a:t>Second level</a:t>
             </a:r>
           </a:p>
           <a:p>
             <a:pPr lvl="2"/>
             <a:r>
-              <a:rPr lang="en-US" smtClean="0"/>
+              <a:rPr lang="en-US"/>
               <a:t>Third level</a:t>
             </a:r>
           </a:p>
           <a:p>
             <a:pPr lvl="3"/>
             <a:r>
-              <a:rPr lang="en-US" smtClean="0"/>
+              <a:rPr lang="en-US"/>
               <a:t>Fourth level</a:t>
             </a:r>
           </a:p>
           <a:p>
             <a:pPr lvl="4"/>
             <a:r>
-              <a:rPr lang="en-US" smtClean="0"/>
+              <a:rPr lang="en-US"/>
               <a:t>Fifth level</a:t>
             </a:r>
             <a:endParaRPr lang="en-US" dirty="0"/>
@@ -1322,7 +1332,7 @@
           <a:p>
             <a:pPr lvl="0"/>
             <a:r>
-              <a:rPr lang="en-US" smtClean="0"/>
+              <a:rPr lang="en-US"/>
               <a:t>Click to edit Master text styles</a:t>
             </a:r>
           </a:p>
@@ -1378,35 +1388,35 @@
           <a:p>
             <a:pPr lvl="0"/>
             <a:r>
-              <a:rPr lang="en-US" smtClean="0"/>
+              <a:rPr lang="en-US"/>
               <a:t>Click to edit Master text styles</a:t>
             </a:r>
           </a:p>
           <a:p>
             <a:pPr lvl="1"/>
             <a:r>
-              <a:rPr lang="en-US" smtClean="0"/>
+              <a:rPr lang="en-US"/>
               <a:t>Second level</a:t>
             </a:r>
           </a:p>
           <a:p>
             <a:pPr lvl="2"/>
             <a:r>
-              <a:rPr lang="en-US" smtClean="0"/>
+              <a:rPr lang="en-US"/>
               <a:t>Third level</a:t>
             </a:r>
           </a:p>
           <a:p>
             <a:pPr lvl="3"/>
             <a:r>
-              <a:rPr lang="en-US" smtClean="0"/>
+              <a:rPr lang="en-US"/>
               <a:t>Fourth level</a:t>
             </a:r>
           </a:p>
           <a:p>
             <a:pPr lvl="4"/>
             <a:r>
-              <a:rPr lang="en-US" smtClean="0"/>
+              <a:rPr lang="en-US"/>
               <a:t>Fifth level</a:t>
             </a:r>
             <a:endParaRPr lang="en-US" dirty="0"/>
@@ -1482,10 +1492,9 @@
           </a:lstStyle>
           <a:p>
             <a:r>
-              <a:rPr lang="en-US" dirty="0" smtClean="0"/>
+              <a:rPr lang="en-US" dirty="0"/>
               <a:t>©Concentrated Technology</a:t>
             </a:r>
-            <a:endParaRPr lang="en-US" dirty="0"/>
           </a:p>
         </p:txBody>
       </p:sp>
@@ -1530,10 +1539,9 @@
           <a:lstStyle/>
           <a:p>
             <a:r>
-              <a:rPr lang="en-US" smtClean="0"/>
+              <a:rPr lang="en-US"/>
               <a:t>Click to edit Master title style</a:t>
             </a:r>
-            <a:endParaRPr lang="en-US"/>
           </a:p>
         </p:txBody>
       </p:sp>
@@ -1571,10 +1579,9 @@
           </a:lstStyle>
           <a:p>
             <a:r>
-              <a:rPr lang="en-US" dirty="0" smtClean="0"/>
+              <a:rPr lang="en-US" dirty="0"/>
               <a:t>©Concentrated Technology</a:t>
             </a:r>
-            <a:endParaRPr lang="en-US" dirty="0"/>
           </a:p>
         </p:txBody>
       </p:sp>
@@ -1655,7 +1662,7 @@
           </a:lstStyle>
           <a:p>
             <a:r>
-              <a:rPr lang="en-US" smtClean="0"/>
+              <a:rPr lang="en-US"/>
               <a:t>Click to edit Master title style</a:t>
             </a:r>
             <a:endParaRPr lang="en-US" dirty="0"/>
@@ -1712,35 +1719,35 @@
           <a:p>
             <a:pPr lvl="0"/>
             <a:r>
-              <a:rPr lang="en-US" smtClean="0"/>
+              <a:rPr lang="en-US"/>
               <a:t>Click to edit Master text styles</a:t>
             </a:r>
           </a:p>
           <a:p>
             <a:pPr lvl="1"/>
             <a:r>
-              <a:rPr lang="en-US" smtClean="0"/>
+              <a:rPr lang="en-US"/>
               <a:t>Second level</a:t>
             </a:r>
           </a:p>
           <a:p>
             <a:pPr lvl="2"/>
             <a:r>
-              <a:rPr lang="en-US" smtClean="0"/>
+              <a:rPr lang="en-US"/>
               <a:t>Third level</a:t>
             </a:r>
           </a:p>
           <a:p>
             <a:pPr lvl="3"/>
             <a:r>
-              <a:rPr lang="en-US" smtClean="0"/>
+              <a:rPr lang="en-US"/>
               <a:t>Fourth level</a:t>
             </a:r>
           </a:p>
           <a:p>
             <a:pPr lvl="4"/>
             <a:r>
-              <a:rPr lang="en-US" smtClean="0"/>
+              <a:rPr lang="en-US"/>
               <a:t>Fifth level</a:t>
             </a:r>
             <a:endParaRPr lang="en-US" dirty="0"/>
@@ -1806,7 +1813,7 @@
           <a:p>
             <a:pPr lvl="0"/>
             <a:r>
-              <a:rPr lang="en-US" smtClean="0"/>
+              <a:rPr lang="en-US"/>
               <a:t>Click to edit Master text styles</a:t>
             </a:r>
           </a:p>
@@ -1881,10 +1888,9 @@
           </a:lstStyle>
           <a:p>
             <a:r>
-              <a:rPr lang="en-US" dirty="0" smtClean="0"/>
+              <a:rPr lang="en-US" dirty="0"/>
               <a:t>©Concentrated Technology</a:t>
             </a:r>
-            <a:endParaRPr lang="en-US" dirty="0"/>
           </a:p>
         </p:txBody>
       </p:sp>
@@ -1940,7 +1946,7 @@
           </a:lstStyle>
           <a:p>
             <a:r>
-              <a:rPr lang="en-US" smtClean="0"/>
+              <a:rPr lang="en-US"/>
               <a:t>Click to edit Master title style</a:t>
             </a:r>
             <a:endParaRPr lang="en-US" dirty="0"/>
@@ -2021,7 +2027,7 @@
           </a:lstStyle>
           <a:p>
             <a:r>
-              <a:rPr lang="en-US" smtClean="0"/>
+              <a:rPr lang="en-US"/>
               <a:t>Drag picture to placeholder or click icon to add</a:t>
             </a:r>
             <a:endParaRPr lang="en-US" dirty="0"/>
@@ -2087,7 +2093,7 @@
           <a:p>
             <a:pPr lvl="0"/>
             <a:r>
-              <a:rPr lang="en-US" smtClean="0"/>
+              <a:rPr lang="en-US"/>
               <a:t>Click to edit Master text styles</a:t>
             </a:r>
           </a:p>
@@ -2127,10 +2133,9 @@
           </a:lstStyle>
           <a:p>
             <a:r>
-              <a:rPr lang="en-US" dirty="0" smtClean="0"/>
+              <a:rPr lang="en-US" dirty="0"/>
               <a:t>©Concentrated Technology</a:t>
             </a:r>
-            <a:endParaRPr lang="en-US" dirty="0"/>
           </a:p>
         </p:txBody>
       </p:sp>
@@ -2236,7 +2241,7 @@
           <a:lstStyle/>
           <a:p>
             <a:r>
-              <a:rPr lang="en-US" smtClean="0"/>
+              <a:rPr lang="en-US"/>
               <a:t>Click to edit Master title style</a:t>
             </a:r>
             <a:endParaRPr lang="en-US" dirty="0"/>
@@ -2270,35 +2275,35 @@
           <a:p>
             <a:pPr lvl="0"/>
             <a:r>
-              <a:rPr lang="en-US" smtClean="0"/>
+              <a:rPr lang="en-US"/>
               <a:t>Click to edit Master text styles</a:t>
             </a:r>
           </a:p>
           <a:p>
             <a:pPr lvl="1"/>
             <a:r>
-              <a:rPr lang="en-US" smtClean="0"/>
+              <a:rPr lang="en-US"/>
               <a:t>Second level</a:t>
             </a:r>
           </a:p>
           <a:p>
             <a:pPr lvl="2"/>
             <a:r>
-              <a:rPr lang="en-US" smtClean="0"/>
+              <a:rPr lang="en-US"/>
               <a:t>Third level</a:t>
             </a:r>
           </a:p>
           <a:p>
             <a:pPr lvl="3"/>
             <a:r>
-              <a:rPr lang="en-US" smtClean="0"/>
+              <a:rPr lang="en-US"/>
               <a:t>Fourth level</a:t>
             </a:r>
           </a:p>
           <a:p>
             <a:pPr lvl="4"/>
             <a:r>
-              <a:rPr lang="en-US" smtClean="0"/>
+              <a:rPr lang="en-US"/>
               <a:t>Fifth level</a:t>
             </a:r>
             <a:endParaRPr lang="en-US" dirty="0"/>
@@ -2385,10 +2390,9 @@
           </a:lstStyle>
           <a:p>
             <a:r>
-              <a:rPr lang="en-US" dirty="0" smtClean="0"/>
+              <a:rPr lang="en-US" dirty="0"/>
               <a:t>©Concentrated Technology</a:t>
             </a:r>
-            <a:endParaRPr lang="en-US" dirty="0"/>
           </a:p>
         </p:txBody>
       </p:sp>
@@ -2728,10 +2732,9 @@
           <a:lstStyle/>
           <a:p>
             <a:r>
-              <a:rPr lang="en-US" dirty="0" smtClean="0"/>
+              <a:rPr lang="en-US" dirty="0"/>
               <a:t>PowerShell Workflow</a:t>
             </a:r>
-            <a:endParaRPr lang="en-US" dirty="0"/>
           </a:p>
         </p:txBody>
       </p:sp>
@@ -2756,10 +2759,9 @@
           <a:lstStyle/>
           <a:p>
             <a:r>
-              <a:rPr lang="en-US" dirty="0" smtClean="0"/>
+              <a:rPr lang="en-US" dirty="0"/>
               <a:t>Module 12</a:t>
             </a:r>
-            <a:endParaRPr lang="en-US" dirty="0"/>
           </a:p>
         </p:txBody>
       </p:sp>
@@ -2810,10 +2812,9 @@
           <a:p>
             <a:pPr algn="ctr"/>
             <a:r>
-              <a:rPr lang="en-US" dirty="0" smtClean="0"/>
+              <a:rPr lang="en-US" dirty="0"/>
               <a:t>Lab A</a:t>
             </a:r>
-            <a:endParaRPr lang="en-US" dirty="0"/>
           </a:p>
         </p:txBody>
       </p:sp>
@@ -2859,7 +2860,7 @@
           <a:p>
             <a:pPr algn="ctr"/>
             <a:r>
-              <a:rPr lang="en-US" dirty="0" smtClean="0"/>
+              <a:rPr lang="en-US" dirty="0"/>
               <a:t>45 Minutes</a:t>
             </a:r>
           </a:p>
@@ -2870,21 +2871,21 @@
           <a:p>
             <a:pPr algn="ctr"/>
             <a:r>
-              <a:rPr lang="en-US" b="1" dirty="0" smtClean="0"/>
+              <a:rPr lang="en-US" b="1" dirty="0"/>
               <a:t>CLIENT</a:t>
             </a:r>
           </a:p>
           <a:p>
             <a:pPr algn="ctr"/>
             <a:r>
-              <a:rPr lang="en-US" b="1" dirty="0" smtClean="0"/>
+              <a:rPr lang="en-US" b="1" dirty="0"/>
               <a:t>MEMBER</a:t>
             </a:r>
           </a:p>
           <a:p>
             <a:pPr algn="ctr"/>
             <a:r>
-              <a:rPr lang="en-US" b="1" dirty="0" smtClean="0"/>
+              <a:rPr lang="en-US" b="1" dirty="0"/>
               <a:t>DC</a:t>
             </a:r>
           </a:p>
@@ -2895,17 +2896,16 @@
           <a:p>
             <a:pPr algn="ctr"/>
             <a:r>
-              <a:rPr lang="en-US" b="1" dirty="0" smtClean="0"/>
+              <a:rPr lang="en-US" b="1" dirty="0"/>
               <a:t>Administrator</a:t>
             </a:r>
             <a:br>
-              <a:rPr lang="en-US" b="1" dirty="0" smtClean="0"/>
+              <a:rPr lang="en-US" b="1" dirty="0"/>
             </a:br>
             <a:r>
-              <a:rPr lang="en-US" b="1" dirty="0" smtClean="0"/>
+              <a:rPr lang="en-US" b="1" dirty="0"/>
               <a:t>P@ssw0rd</a:t>
             </a:r>
-            <a:endParaRPr lang="en-US" b="1" dirty="0"/>
           </a:p>
         </p:txBody>
       </p:sp>
@@ -2985,10 +2985,9 @@
           <a:lstStyle/>
           <a:p>
             <a:r>
-              <a:rPr lang="en-US" dirty="0" smtClean="0"/>
+              <a:rPr lang="en-US" dirty="0"/>
               <a:t>Conclusion</a:t>
             </a:r>
-            <a:endParaRPr lang="en-US" dirty="0"/>
           </a:p>
         </p:txBody>
       </p:sp>
@@ -3011,16 +3010,11 @@
               <a:rPr lang="en-US" dirty="0"/>
               <a:t>Workflow is a complex topic. Keep in mind that workflow isn’t the same as PowerShell; PowerShell simply provides a script-like way of writing workflows, and what you type in PowerShell is translated under the hood to workflow. </a:t>
             </a:r>
-            <a:endParaRPr lang="en-US" dirty="0" smtClean="0"/>
-          </a:p>
-          <a:p>
-            <a:r>
-              <a:rPr lang="en-US" dirty="0" smtClean="0"/>
-              <a:t>That </a:t>
-            </a:r>
-            <a:r>
-              <a:rPr lang="en-US" dirty="0"/>
-              <a:t>means workflows are pretty different, and it takes a lot of time and practice to really use them effectively.</a:t>
+          </a:p>
+          <a:p>
+            <a:r>
+              <a:rPr lang="en-US" dirty="0"/>
+              <a:t>That means workflows are pretty different, and it takes a lot of time and practice to really use them effectively.</a:t>
             </a:r>
           </a:p>
         </p:txBody>
@@ -3071,7 +3065,7 @@
           <a:lstStyle/>
           <a:p>
             <a:r>
-              <a:rPr lang="en-US" smtClean="0"/>
+              <a:rPr lang="en-US"/>
               <a:t>Understanding Workflow</a:t>
             </a:r>
             <a:endParaRPr lang="en-US" dirty="0"/>
@@ -3094,10 +3088,9 @@
           <a:lstStyle/>
           <a:p>
             <a:r>
-              <a:rPr lang="en-US" dirty="0" smtClean="0"/>
+              <a:rPr lang="en-US" dirty="0"/>
               <a:t>Lesson 1</a:t>
             </a:r>
-            <a:endParaRPr lang="en-US" dirty="0"/>
           </a:p>
         </p:txBody>
       </p:sp>
@@ -3147,10 +3140,9 @@
           <a:lstStyle/>
           <a:p>
             <a:r>
-              <a:rPr lang="en-US" dirty="0" smtClean="0"/>
+              <a:rPr lang="en-US" dirty="0"/>
               <a:t>Common parameters for workflows</a:t>
             </a:r>
-            <a:endParaRPr lang="en-US" dirty="0"/>
           </a:p>
         </p:txBody>
       </p:sp>
@@ -3173,27 +3165,7 @@
           <a:p>
             <a:r>
               <a:rPr lang="en-US" dirty="0"/>
-              <a:t>T</a:t>
-            </a:r>
-            <a:r>
-              <a:rPr lang="en-US" dirty="0" smtClean="0"/>
-              <a:t>he </a:t>
-            </a:r>
-            <a:r>
-              <a:rPr lang="en-US" dirty="0"/>
-              <a:t>workflow </a:t>
-            </a:r>
-            <a:r>
-              <a:rPr lang="en-US" dirty="0" smtClean="0"/>
-              <a:t>keyword adds a large </a:t>
-            </a:r>
-            <a:r>
-              <a:rPr lang="en-US" dirty="0"/>
-              <a:t>set of built-in common parameters. </a:t>
-            </a:r>
-            <a:r>
-              <a:rPr lang="en-US" dirty="0" smtClean="0"/>
-              <a:t>Here are some:</a:t>
+              <a:t>The workflow keyword adds a large set of built-in common parameters. Here are some:</a:t>
             </a:r>
           </a:p>
           <a:p>
@@ -3254,7 +3226,6 @@
               <a:rPr lang="en-US" dirty="0"/>
               <a:t>—Force the workflow to save (checkpoint) the workflow data and state after executing each step (we’ll show you how you can also do this manually) </a:t>
             </a:r>
-            <a:endParaRPr lang="en-US" dirty="0" smtClean="0"/>
           </a:p>
           <a:p>
             <a:endParaRPr lang="en-US" dirty="0"/>
@@ -3307,10 +3278,9 @@
           <a:lstStyle/>
           <a:p>
             <a:r>
-              <a:rPr lang="en-US" dirty="0" smtClean="0"/>
+              <a:rPr lang="en-US" dirty="0"/>
               <a:t>Activities and stateless execution</a:t>
             </a:r>
-            <a:endParaRPr lang="en-US" dirty="0"/>
           </a:p>
         </p:txBody>
       </p:sp>
@@ -3339,16 +3309,15 @@
               <a:t>Workflow is built around the concept of </a:t>
             </a:r>
             <a:r>
-              <a:rPr lang="en-US" i="1" dirty="0" smtClean="0"/>
+              <a:rPr lang="en-US" i="1" dirty="0"/>
               <a:t>activities.</a:t>
             </a:r>
           </a:p>
           <a:p>
             <a:r>
-              <a:rPr lang="en-US" dirty="0" smtClean="0"/>
+              <a:rPr lang="en-US" dirty="0"/>
               <a:t>See examples</a:t>
             </a:r>
-            <a:endParaRPr lang="en-US" dirty="0"/>
           </a:p>
         </p:txBody>
       </p:sp>
@@ -3468,10 +3437,9 @@
           <a:lstStyle/>
           <a:p>
             <a:r>
-              <a:rPr lang="en-US" dirty="0" smtClean="0"/>
+              <a:rPr lang="en-US" dirty="0"/>
               <a:t>Persisting state</a:t>
             </a:r>
-            <a:endParaRPr lang="en-US" dirty="0"/>
           </a:p>
         </p:txBody>
       </p:sp>
@@ -3492,47 +3460,19 @@
           <a:p>
             <a:r>
               <a:rPr lang="en-US" dirty="0"/>
-              <a:t>The state of a workflow consists of its current output, the task that it’s currently </a:t>
-            </a:r>
-            <a:r>
-              <a:rPr lang="en-US" dirty="0" smtClean="0"/>
-              <a:t>executing.</a:t>
-            </a:r>
-          </a:p>
-          <a:p>
-            <a:r>
-              <a:rPr lang="en-US" dirty="0" smtClean="0"/>
-              <a:t> </a:t>
-            </a:r>
-            <a:r>
-              <a:rPr lang="en-US" dirty="0"/>
-              <a:t>It’s important that you help workflow maintain this </a:t>
-            </a:r>
-            <a:r>
-              <a:rPr lang="en-US" dirty="0" smtClean="0"/>
-              <a:t>state.</a:t>
-            </a:r>
-          </a:p>
-          <a:p>
-            <a:r>
-              <a:rPr lang="en-US" dirty="0" smtClean="0"/>
-              <a:t> </a:t>
-            </a:r>
-            <a:r>
-              <a:rPr lang="en-US" dirty="0"/>
-              <a:t>R</a:t>
-            </a:r>
-            <a:r>
-              <a:rPr lang="en-US" dirty="0" smtClean="0"/>
-              <a:t>un </a:t>
-            </a:r>
-            <a:r>
-              <a:rPr lang="en-US" dirty="0"/>
-              <a:t>the Checkpoint-Workflow </a:t>
-            </a:r>
-            <a:r>
-              <a:rPr lang="en-US" dirty="0" smtClean="0"/>
-              <a:t>command. </a:t>
+              <a:t>The state of a workflow consists of its current output, the task that it’s currently executing.</a:t>
+            </a:r>
+          </a:p>
+          <a:p>
+            <a:r>
+              <a:rPr lang="en-US" dirty="0"/>
+              <a:t> It’s important that you help workflow maintain this state.</a:t>
+            </a:r>
+          </a:p>
+          <a:p>
+            <a:r>
+              <a:rPr lang="en-US" dirty="0"/>
+              <a:t> Run the Checkpoint-Workflow command. </a:t>
             </a:r>
           </a:p>
           <a:p>
@@ -3586,11 +3526,11 @@
           <a:lstStyle/>
           <a:p>
             <a:r>
-              <a:rPr lang="en-US" dirty="0" smtClean="0"/>
+              <a:rPr lang="en-US" dirty="0"/>
               <a:t>Inherently </a:t>
             </a:r>
             <a:r>
-              <a:rPr lang="en-US" dirty="0" err="1" smtClean="0"/>
+              <a:rPr lang="en-US" dirty="0" err="1"/>
               <a:t>remotable</a:t>
             </a:r>
             <a:endParaRPr lang="en-US" dirty="0"/>
@@ -3617,30 +3557,18 @@
               <a:t>Workflows are designed from the ground up to be </a:t>
             </a:r>
             <a:r>
-              <a:rPr lang="en-US" dirty="0" err="1" smtClean="0"/>
+              <a:rPr lang="en-US" dirty="0" err="1"/>
               <a:t>remoted</a:t>
             </a:r>
             <a:r>
-              <a:rPr lang="en-US" dirty="0" smtClean="0"/>
+              <a:rPr lang="en-US" dirty="0"/>
               <a:t>.</a:t>
             </a:r>
           </a:p>
           <a:p>
             <a:r>
-              <a:rPr lang="en-US" dirty="0" smtClean="0"/>
-              <a:t> </a:t>
-            </a:r>
-            <a:r>
-              <a:rPr lang="en-US" dirty="0"/>
-              <a:t>A</a:t>
-            </a:r>
-            <a:r>
-              <a:rPr lang="en-US" dirty="0" smtClean="0"/>
-              <a:t>ll </a:t>
-            </a:r>
-            <a:r>
-              <a:rPr lang="en-US" dirty="0"/>
-              <a:t>workflow commands get a </a:t>
+              <a:rPr lang="en-US" dirty="0"/>
+              <a:t> All workflow commands get a </a:t>
             </a:r>
             <a:br>
               <a:rPr lang="en-US" dirty="0"/>
@@ -3657,43 +3585,24 @@
               <a:rPr lang="en-US" dirty="0"/>
               <a:t> parameter automatically. </a:t>
             </a:r>
-            <a:endParaRPr lang="en-US" dirty="0" smtClean="0"/>
-          </a:p>
-          <a:p>
-            <a:r>
-              <a:rPr lang="en-US" dirty="0"/>
-              <a:t>PowerShell connects to the remote computers via Remoting (which must be </a:t>
-            </a:r>
-            <a:r>
-              <a:rPr lang="en-US" dirty="0" smtClean="0"/>
-              <a:t>enabled).</a:t>
-            </a:r>
-          </a:p>
-          <a:p>
-            <a:r>
-              <a:rPr lang="en-US" dirty="0" smtClean="0"/>
-              <a:t> Remote </a:t>
-            </a:r>
-            <a:r>
-              <a:rPr lang="en-US" dirty="0"/>
-              <a:t>computers run the workflow using their local resources. </a:t>
-            </a:r>
-            <a:endParaRPr lang="en-US" dirty="0" smtClean="0"/>
-          </a:p>
-          <a:p>
-            <a:r>
-              <a:rPr lang="en-US" dirty="0"/>
-              <a:t>R</a:t>
-            </a:r>
-            <a:r>
-              <a:rPr lang="en-US" dirty="0" smtClean="0"/>
-              <a:t>emote </a:t>
-            </a:r>
-            <a:r>
-              <a:rPr lang="en-US" dirty="0"/>
-              <a:t>computers must also be running PowerShell 3.0. </a:t>
-            </a:r>
-            <a:endParaRPr lang="en-US" dirty="0" smtClean="0"/>
+          </a:p>
+          <a:p>
+            <a:r>
+              <a:rPr lang="en-US" dirty="0"/>
+              <a:t>PowerShell connects to the remote computers via Remoting (which must be enabled).</a:t>
+            </a:r>
+          </a:p>
+          <a:p>
+            <a:r>
+              <a:rPr lang="en-US" dirty="0"/>
+              <a:t> Remote computers run the workflow using their local resources. </a:t>
+            </a:r>
+          </a:p>
+          <a:p>
+            <a:r>
+              <a:rPr lang="en-US" dirty="0"/>
+              <a:t>Remote computers must also be running PowerShell 3.0. </a:t>
+            </a:r>
           </a:p>
           <a:p>
             <a:endParaRPr lang="en-US" dirty="0"/>
@@ -3746,10 +3655,9 @@
           <a:lstStyle/>
           <a:p>
             <a:r>
-              <a:rPr lang="en-US" dirty="0" smtClean="0"/>
+              <a:rPr lang="en-US" dirty="0"/>
               <a:t>Parallelism</a:t>
             </a:r>
-            <a:endParaRPr lang="en-US" dirty="0"/>
           </a:p>
         </p:txBody>
       </p:sp>
@@ -3777,11 +3685,7 @@
           <a:p>
             <a:r>
               <a:rPr lang="en-US" dirty="0"/>
-              <a:t>Windows workflow is designed to execute tasks in </a:t>
-            </a:r>
-            <a:r>
-              <a:rPr lang="en-US" dirty="0" smtClean="0"/>
-              <a:t>parallel.</a:t>
+              <a:t>Windows workflow is designed to execute tasks in parallel.</a:t>
             </a:r>
           </a:p>
           <a:p>
@@ -3905,10 +3809,9 @@
           <a:lstStyle/>
           <a:p>
             <a:r>
-              <a:rPr lang="en-US" dirty="0" smtClean="0"/>
+              <a:rPr lang="en-US" dirty="0"/>
               <a:t>General workflow design strategy</a:t>
             </a:r>
-            <a:endParaRPr lang="en-US" dirty="0"/>
           </a:p>
         </p:txBody>
       </p:sp>
@@ -3931,47 +3834,24 @@
               <a:rPr lang="en-US" dirty="0"/>
               <a:t>It’s important to understand that the entire contents of the workflow get translated into WF’s own language, which only understands activities. </a:t>
             </a:r>
-            <a:endParaRPr lang="en-US" dirty="0" smtClean="0"/>
-          </a:p>
-          <a:p>
-            <a:r>
-              <a:rPr lang="en-US" dirty="0"/>
-              <a:t>M</a:t>
-            </a:r>
-            <a:r>
-              <a:rPr lang="en-US" dirty="0" smtClean="0"/>
-              <a:t>ost </a:t>
-            </a:r>
-            <a:r>
-              <a:rPr lang="en-US" dirty="0"/>
-              <a:t>of PowerShell’s built-in commands—the ones available before any modules have been imported—work fine. </a:t>
-            </a:r>
-            <a:endParaRPr lang="en-US" dirty="0" smtClean="0"/>
-          </a:p>
-          <a:p>
-            <a:r>
-              <a:rPr lang="en-US" dirty="0"/>
-              <a:t>That isn’t the case with add-in </a:t>
-            </a:r>
-            <a:r>
-              <a:rPr lang="en-US" dirty="0" smtClean="0"/>
-              <a:t>modules.</a:t>
-            </a:r>
-          </a:p>
-          <a:p>
-            <a:r>
-              <a:rPr lang="en-US" dirty="0" smtClean="0"/>
-              <a:t> </a:t>
-            </a:r>
-            <a:r>
-              <a:rPr lang="en-US" dirty="0"/>
-              <a:t>The solution is to think of a workflow as a high-level task coordination </a:t>
-            </a:r>
-            <a:r>
-              <a:rPr lang="en-US" dirty="0" smtClean="0"/>
-              <a:t>mechanism. </a:t>
-            </a:r>
-            <a:endParaRPr lang="en-US" dirty="0"/>
+          </a:p>
+          <a:p>
+            <a:r>
+              <a:rPr lang="en-US" dirty="0"/>
+              <a:t>Most of PowerShell’s built-in commands—the ones available before any modules have been imported—work fine. </a:t>
+            </a:r>
+          </a:p>
+          <a:p>
+            <a:r>
+              <a:rPr lang="en-US" dirty="0"/>
+              <a:t>That isn’t the case with add-in modules.</a:t>
+            </a:r>
+          </a:p>
+          <a:p>
+            <a:r>
+              <a:rPr lang="en-US" dirty="0"/>
+              <a:t> The solution is to think of a workflow as a high-level task coordination mechanism. </a:t>
+            </a:r>
           </a:p>
         </p:txBody>
       </p:sp>
@@ -4021,10 +3901,9 @@
           <a:lstStyle/>
           <a:p>
             <a:r>
-              <a:rPr lang="en-US" dirty="0" smtClean="0"/>
+              <a:rPr lang="en-US" dirty="0"/>
               <a:t>Example workflow scenario</a:t>
             </a:r>
-            <a:endParaRPr lang="en-US" dirty="0"/>
           </a:p>
         </p:txBody>
       </p:sp>
@@ -4044,16 +3923,15 @@
           <a:lstStyle/>
           <a:p>
             <a:r>
-              <a:rPr lang="en-US" dirty="0" smtClean="0"/>
+              <a:rPr lang="en-US" dirty="0"/>
               <a:t>Examine – Writing the workflow</a:t>
             </a:r>
           </a:p>
           <a:p>
             <a:r>
-              <a:rPr lang="en-US" dirty="0" smtClean="0"/>
+              <a:rPr lang="en-US" dirty="0"/>
               <a:t>Examine – Workflows vs. functions</a:t>
             </a:r>
-            <a:endParaRPr lang="en-US" dirty="0"/>
           </a:p>
         </p:txBody>
       </p:sp>
